--- a/docu.pptx
+++ b/docu.pptx
@@ -6376,7 +6376,7 @@
                 <a:latin typeface="Arial" panose="020B0604020202020204" pitchFamily="34" charset="0"/>
                 <a:cs typeface="Arial" panose="020B0604020202020204" pitchFamily="34" charset="0"/>
               </a:rPr>
-              <a:t>People do their own work outs at home but may not do the correct way on how to tone their muscles. </a:t>
+              <a:t>People do their own work outs at home but may not do the correct way on how to tone their muscles or to achieve their desired goals.</a:t>
             </a:r>
           </a:p>
           <a:p>
